--- a/Lab6_radar/AP_L06_20190403_0800_G01.pptx
+++ b/Lab6_radar/AP_L06_20190403_0800_G01.pptx
@@ -7561,6 +7561,1767 @@
           </a:p>
         </p:txBody>
       </p:sp>
+      <p:graphicFrame>
+        <p:nvGraphicFramePr>
+          <p:cNvPr id="4" name="Tabela 3">
+            <a:extLst>
+              <a:ext uri="{FF2B5EF4-FFF2-40B4-BE49-F238E27FC236}">
+                <a16:creationId xmlns:a16="http://schemas.microsoft.com/office/drawing/2014/main" id="{DD2704D9-82EF-4B7B-BF03-984174A1EE81}"/>
+              </a:ext>
+            </a:extLst>
+          </p:cNvPr>
+          <p:cNvGraphicFramePr>
+            <a:graphicFrameLocks noGrp="1"/>
+          </p:cNvGraphicFramePr>
+          <p:nvPr>
+            <p:extLst>
+              <p:ext uri="{D42A27DB-BD31-4B8C-83A1-F6EECF244321}">
+                <p14:modId xmlns:p14="http://schemas.microsoft.com/office/powerpoint/2010/main" val="905220020"/>
+              </p:ext>
+            </p:extLst>
+          </p:nvPr>
+        </p:nvGraphicFramePr>
+        <p:xfrm>
+          <a:off x="1751004" y="1051406"/>
+          <a:ext cx="5684569" cy="5164265"/>
+        </p:xfrm>
+        <a:graphic>
+          <a:graphicData uri="http://schemas.openxmlformats.org/drawingml/2006/table">
+            <a:tbl>
+              <a:tblPr firstRow="1" firstCol="1" bandRow="1">
+                <a:tableStyleId>{5C22544A-7EE6-4342-B048-85BDC9FD1C3A}</a:tableStyleId>
+              </a:tblPr>
+              <a:tblGrid>
+                <a:gridCol w="5684569">
+                  <a:extLst>
+                    <a:ext uri="{9D8B030D-6E8A-4147-A177-3AD203B41FA5}">
+                      <a16:colId xmlns:a16="http://schemas.microsoft.com/office/drawing/2014/main" val="3482074605"/>
+                    </a:ext>
+                  </a:extLst>
+                </a:gridCol>
+              </a:tblGrid>
+              <a:tr h="4039341">
+                <a:tc>
+                  <a:txBody>
+                    <a:bodyPr/>
+                    <a:lstStyle/>
+                    <a:p>
+                      <a:pPr>
+                        <a:lnSpc>
+                          <a:spcPct val="107000"/>
+                        </a:lnSpc>
+                        <a:spcAft>
+                          <a:spcPts val="0"/>
+                        </a:spcAft>
+                      </a:pPr>
+                      <a:r>
+                        <a:rPr lang="pl-PL" sz="1000" dirty="0">
+                          <a:solidFill>
+                            <a:srgbClr val="92D050"/>
+                          </a:solidFill>
+                          <a:effectLst/>
+                          <a:latin typeface="Courier New" panose="02070309020205020404" pitchFamily="49" charset="0"/>
+                          <a:cs typeface="Courier New" panose="02070309020205020404" pitchFamily="49" charset="0"/>
+                        </a:rPr>
+                        <a:t>%Utworzenie i konfiguracja kanału</a:t>
+                      </a:r>
+                    </a:p>
+                    <a:p>
+                      <a:pPr>
+                        <a:lnSpc>
+                          <a:spcPct val="107000"/>
+                        </a:lnSpc>
+                        <a:spcAft>
+                          <a:spcPts val="0"/>
+                        </a:spcAft>
+                      </a:pPr>
+                      <a:r>
+                        <a:rPr lang="pl-PL" sz="1000" dirty="0" err="1">
+                          <a:solidFill>
+                            <a:schemeClr val="tx1"/>
+                          </a:solidFill>
+                          <a:effectLst/>
+                          <a:latin typeface="Courier New" panose="02070309020205020404" pitchFamily="49" charset="0"/>
+                          <a:cs typeface="Courier New" panose="02070309020205020404" pitchFamily="49" charset="0"/>
+                        </a:rPr>
+                        <a:t>canch</a:t>
+                      </a:r>
+                      <a:r>
+                        <a:rPr lang="pl-PL" sz="1000" dirty="0">
+                          <a:solidFill>
+                            <a:schemeClr val="tx1"/>
+                          </a:solidFill>
+                          <a:effectLst/>
+                          <a:latin typeface="Courier New" panose="02070309020205020404" pitchFamily="49" charset="0"/>
+                          <a:cs typeface="Courier New" panose="02070309020205020404" pitchFamily="49" charset="0"/>
+                        </a:rPr>
+                        <a:t> = </a:t>
+                      </a:r>
+                      <a:r>
+                        <a:rPr lang="pl-PL" sz="1000" dirty="0" err="1">
+                          <a:solidFill>
+                            <a:schemeClr val="tx1"/>
+                          </a:solidFill>
+                          <a:effectLst/>
+                          <a:latin typeface="Courier New" panose="02070309020205020404" pitchFamily="49" charset="0"/>
+                          <a:cs typeface="Courier New" panose="02070309020205020404" pitchFamily="49" charset="0"/>
+                        </a:rPr>
+                        <a:t>canChannel</a:t>
+                      </a:r>
+                      <a:r>
+                        <a:rPr lang="pl-PL" sz="1000" dirty="0">
+                          <a:solidFill>
+                            <a:schemeClr val="tx1"/>
+                          </a:solidFill>
+                          <a:effectLst/>
+                          <a:latin typeface="Courier New" panose="02070309020205020404" pitchFamily="49" charset="0"/>
+                          <a:cs typeface="Courier New" panose="02070309020205020404" pitchFamily="49" charset="0"/>
+                        </a:rPr>
+                        <a:t>(</a:t>
+                      </a:r>
+                      <a:r>
+                        <a:rPr lang="pl-PL" sz="1000" dirty="0">
+                          <a:solidFill>
+                            <a:srgbClr val="7030A0"/>
+                          </a:solidFill>
+                          <a:effectLst/>
+                          <a:latin typeface="Courier New" panose="02070309020205020404" pitchFamily="49" charset="0"/>
+                          <a:cs typeface="Courier New" panose="02070309020205020404" pitchFamily="49" charset="0"/>
+                        </a:rPr>
+                        <a:t>'</a:t>
+                      </a:r>
+                      <a:r>
+                        <a:rPr lang="pl-PL" sz="1000" dirty="0" err="1">
+                          <a:solidFill>
+                            <a:srgbClr val="7030A0"/>
+                          </a:solidFill>
+                          <a:effectLst/>
+                          <a:latin typeface="Courier New" panose="02070309020205020404" pitchFamily="49" charset="0"/>
+                          <a:cs typeface="Courier New" panose="02070309020205020404" pitchFamily="49" charset="0"/>
+                        </a:rPr>
+                        <a:t>Vector</a:t>
+                      </a:r>
+                      <a:r>
+                        <a:rPr lang="pl-PL" sz="1000" dirty="0">
+                          <a:solidFill>
+                            <a:srgbClr val="7030A0"/>
+                          </a:solidFill>
+                          <a:effectLst/>
+                          <a:latin typeface="Courier New" panose="02070309020205020404" pitchFamily="49" charset="0"/>
+                          <a:cs typeface="Courier New" panose="02070309020205020404" pitchFamily="49" charset="0"/>
+                        </a:rPr>
+                        <a:t>','</a:t>
+                      </a:r>
+                      <a:r>
+                        <a:rPr lang="pl-PL" sz="1000" dirty="0" err="1">
+                          <a:solidFill>
+                            <a:srgbClr val="7030A0"/>
+                          </a:solidFill>
+                          <a:effectLst/>
+                          <a:latin typeface="Courier New" panose="02070309020205020404" pitchFamily="49" charset="0"/>
+                          <a:cs typeface="Courier New" panose="02070309020205020404" pitchFamily="49" charset="0"/>
+                        </a:rPr>
+                        <a:t>CANcardXL</a:t>
+                      </a:r>
+                      <a:r>
+                        <a:rPr lang="pl-PL" sz="1000" dirty="0">
+                          <a:solidFill>
+                            <a:srgbClr val="7030A0"/>
+                          </a:solidFill>
+                          <a:effectLst/>
+                          <a:latin typeface="Courier New" panose="02070309020205020404" pitchFamily="49" charset="0"/>
+                          <a:cs typeface="Courier New" panose="02070309020205020404" pitchFamily="49" charset="0"/>
+                        </a:rPr>
+                        <a:t> 1'</a:t>
+                      </a:r>
+                      <a:r>
+                        <a:rPr lang="pl-PL" sz="1000" dirty="0">
+                          <a:solidFill>
+                            <a:schemeClr val="tx1"/>
+                          </a:solidFill>
+                          <a:effectLst/>
+                          <a:latin typeface="Courier New" panose="02070309020205020404" pitchFamily="49" charset="0"/>
+                          <a:cs typeface="Courier New" panose="02070309020205020404" pitchFamily="49" charset="0"/>
+                        </a:rPr>
+                        <a:t>,2);</a:t>
+                      </a:r>
+                    </a:p>
+                    <a:p>
+                      <a:pPr>
+                        <a:lnSpc>
+                          <a:spcPct val="107000"/>
+                        </a:lnSpc>
+                        <a:spcAft>
+                          <a:spcPts val="0"/>
+                        </a:spcAft>
+                      </a:pPr>
+                      <a:r>
+                        <a:rPr lang="pl-PL" sz="1000" dirty="0" err="1">
+                          <a:solidFill>
+                            <a:schemeClr val="tx1"/>
+                          </a:solidFill>
+                          <a:effectLst/>
+                          <a:latin typeface="Courier New" panose="02070309020205020404" pitchFamily="49" charset="0"/>
+                          <a:cs typeface="Courier New" panose="02070309020205020404" pitchFamily="49" charset="0"/>
+                        </a:rPr>
+                        <a:t>configBusSpeed</a:t>
+                      </a:r>
+                      <a:r>
+                        <a:rPr lang="pl-PL" sz="1000" dirty="0">
+                          <a:solidFill>
+                            <a:schemeClr val="tx1"/>
+                          </a:solidFill>
+                          <a:effectLst/>
+                          <a:latin typeface="Courier New" panose="02070309020205020404" pitchFamily="49" charset="0"/>
+                          <a:cs typeface="Courier New" panose="02070309020205020404" pitchFamily="49" charset="0"/>
+                        </a:rPr>
+                        <a:t>(</a:t>
+                      </a:r>
+                      <a:r>
+                        <a:rPr lang="pl-PL" sz="1000" dirty="0" err="1">
+                          <a:solidFill>
+                            <a:schemeClr val="tx1"/>
+                          </a:solidFill>
+                          <a:effectLst/>
+                          <a:latin typeface="Courier New" panose="02070309020205020404" pitchFamily="49" charset="0"/>
+                          <a:cs typeface="Courier New" panose="02070309020205020404" pitchFamily="49" charset="0"/>
+                        </a:rPr>
+                        <a:t>canch</a:t>
+                      </a:r>
+                      <a:r>
+                        <a:rPr lang="pl-PL" sz="1000" dirty="0">
+                          <a:solidFill>
+                            <a:schemeClr val="tx1"/>
+                          </a:solidFill>
+                          <a:effectLst/>
+                          <a:latin typeface="Courier New" panose="02070309020205020404" pitchFamily="49" charset="0"/>
+                          <a:cs typeface="Courier New" panose="02070309020205020404" pitchFamily="49" charset="0"/>
+                        </a:rPr>
+                        <a:t>, 500000);</a:t>
+                      </a:r>
+                    </a:p>
+                    <a:p>
+                      <a:pPr>
+                        <a:lnSpc>
+                          <a:spcPct val="107000"/>
+                        </a:lnSpc>
+                        <a:spcAft>
+                          <a:spcPts val="0"/>
+                        </a:spcAft>
+                      </a:pPr>
+                      <a:r>
+                        <a:rPr lang="pl-PL" sz="1000" dirty="0">
+                          <a:solidFill>
+                            <a:srgbClr val="92D050"/>
+                          </a:solidFill>
+                          <a:effectLst/>
+                          <a:latin typeface="Courier New" panose="02070309020205020404" pitchFamily="49" charset="0"/>
+                          <a:cs typeface="Courier New" panose="02070309020205020404" pitchFamily="49" charset="0"/>
+                        </a:rPr>
+                        <a:t>%Filtracja wiadomości</a:t>
+                      </a:r>
+                    </a:p>
+                    <a:p>
+                      <a:pPr>
+                        <a:lnSpc>
+                          <a:spcPct val="107000"/>
+                        </a:lnSpc>
+                        <a:spcAft>
+                          <a:spcPts val="0"/>
+                        </a:spcAft>
+                      </a:pPr>
+                      <a:r>
+                        <a:rPr lang="pl-PL" sz="1000" dirty="0" err="1">
+                          <a:solidFill>
+                            <a:schemeClr val="tx1"/>
+                          </a:solidFill>
+                          <a:effectLst/>
+                          <a:latin typeface="Courier New" panose="02070309020205020404" pitchFamily="49" charset="0"/>
+                          <a:cs typeface="Courier New" panose="02070309020205020404" pitchFamily="49" charset="0"/>
+                        </a:rPr>
+                        <a:t>filterAllowOnly</a:t>
+                      </a:r>
+                      <a:r>
+                        <a:rPr lang="pl-PL" sz="1000" dirty="0">
+                          <a:solidFill>
+                            <a:schemeClr val="tx1"/>
+                          </a:solidFill>
+                          <a:effectLst/>
+                          <a:latin typeface="Courier New" panose="02070309020205020404" pitchFamily="49" charset="0"/>
+                          <a:cs typeface="Courier New" panose="02070309020205020404" pitchFamily="49" charset="0"/>
+                        </a:rPr>
+                        <a:t>(</a:t>
+                      </a:r>
+                      <a:r>
+                        <a:rPr lang="pl-PL" sz="1000" dirty="0" err="1">
+                          <a:solidFill>
+                            <a:schemeClr val="tx1"/>
+                          </a:solidFill>
+                          <a:effectLst/>
+                          <a:latin typeface="Courier New" panose="02070309020205020404" pitchFamily="49" charset="0"/>
+                          <a:cs typeface="Courier New" panose="02070309020205020404" pitchFamily="49" charset="0"/>
+                        </a:rPr>
+                        <a:t>canch</a:t>
+                      </a:r>
+                      <a:r>
+                        <a:rPr lang="pl-PL" sz="1000" dirty="0">
+                          <a:solidFill>
+                            <a:schemeClr val="tx1"/>
+                          </a:solidFill>
+                          <a:effectLst/>
+                          <a:latin typeface="Courier New" panose="02070309020205020404" pitchFamily="49" charset="0"/>
+                          <a:cs typeface="Courier New" panose="02070309020205020404" pitchFamily="49" charset="0"/>
+                        </a:rPr>
+                        <a:t>, [hex2dec(</a:t>
+                      </a:r>
+                      <a:r>
+                        <a:rPr lang="pl-PL" sz="1000" dirty="0">
+                          <a:solidFill>
+                            <a:srgbClr val="7030A0"/>
+                          </a:solidFill>
+                          <a:effectLst/>
+                          <a:latin typeface="Courier New" panose="02070309020205020404" pitchFamily="49" charset="0"/>
+                          <a:cs typeface="Courier New" panose="02070309020205020404" pitchFamily="49" charset="0"/>
+                        </a:rPr>
+                        <a:t>'600'</a:t>
+                      </a:r>
+                      <a:r>
+                        <a:rPr lang="pl-PL" sz="1000" dirty="0">
+                          <a:solidFill>
+                            <a:schemeClr val="tx1"/>
+                          </a:solidFill>
+                          <a:effectLst/>
+                          <a:latin typeface="Courier New" panose="02070309020205020404" pitchFamily="49" charset="0"/>
+                          <a:cs typeface="Courier New" panose="02070309020205020404" pitchFamily="49" charset="0"/>
+                        </a:rPr>
+                        <a:t>), hex2dec(</a:t>
+                      </a:r>
+                      <a:r>
+                        <a:rPr lang="pl-PL" sz="1000" dirty="0">
+                          <a:solidFill>
+                            <a:srgbClr val="7030A0"/>
+                          </a:solidFill>
+                          <a:effectLst/>
+                          <a:latin typeface="Courier New" panose="02070309020205020404" pitchFamily="49" charset="0"/>
+                          <a:cs typeface="Courier New" panose="02070309020205020404" pitchFamily="49" charset="0"/>
+                        </a:rPr>
+                        <a:t>'63F'</a:t>
+                      </a:r>
+                      <a:r>
+                        <a:rPr lang="pl-PL" sz="1000" dirty="0">
+                          <a:solidFill>
+                            <a:schemeClr val="tx1"/>
+                          </a:solidFill>
+                          <a:effectLst/>
+                          <a:latin typeface="Courier New" panose="02070309020205020404" pitchFamily="49" charset="0"/>
+                          <a:cs typeface="Courier New" panose="02070309020205020404" pitchFamily="49" charset="0"/>
+                        </a:rPr>
+                        <a:t>)],</a:t>
+                      </a:r>
+                      <a:r>
+                        <a:rPr lang="pl-PL" sz="1000" dirty="0">
+                          <a:solidFill>
+                            <a:srgbClr val="7030A0"/>
+                          </a:solidFill>
+                          <a:effectLst/>
+                          <a:latin typeface="Courier New" panose="02070309020205020404" pitchFamily="49" charset="0"/>
+                          <a:cs typeface="Courier New" panose="02070309020205020404" pitchFamily="49" charset="0"/>
+                        </a:rPr>
+                        <a:t>'Standard'</a:t>
+                      </a:r>
+                      <a:r>
+                        <a:rPr lang="pl-PL" sz="1000" dirty="0">
+                          <a:solidFill>
+                            <a:schemeClr val="tx1"/>
+                          </a:solidFill>
+                          <a:effectLst/>
+                          <a:latin typeface="Courier New" panose="02070309020205020404" pitchFamily="49" charset="0"/>
+                          <a:cs typeface="Courier New" panose="02070309020205020404" pitchFamily="49" charset="0"/>
+                        </a:rPr>
+                        <a:t>);</a:t>
+                      </a:r>
+                    </a:p>
+                    <a:p>
+                      <a:pPr>
+                        <a:lnSpc>
+                          <a:spcPct val="107000"/>
+                        </a:lnSpc>
+                        <a:spcAft>
+                          <a:spcPts val="0"/>
+                        </a:spcAft>
+                      </a:pPr>
+                      <a:r>
+                        <a:rPr lang="pl-PL" sz="1000" dirty="0">
+                          <a:solidFill>
+                            <a:srgbClr val="92D050"/>
+                          </a:solidFill>
+                          <a:effectLst/>
+                          <a:latin typeface="Courier New" panose="02070309020205020404" pitchFamily="49" charset="0"/>
+                          <a:cs typeface="Courier New" panose="02070309020205020404" pitchFamily="49" charset="0"/>
+                        </a:rPr>
+                        <a:t>%Nawiązanie komunikacji</a:t>
+                      </a:r>
+                    </a:p>
+                    <a:p>
+                      <a:pPr>
+                        <a:lnSpc>
+                          <a:spcPct val="107000"/>
+                        </a:lnSpc>
+                        <a:spcAft>
+                          <a:spcPts val="0"/>
+                        </a:spcAft>
+                      </a:pPr>
+                      <a:r>
+                        <a:rPr lang="pl-PL" sz="1000" dirty="0">
+                          <a:solidFill>
+                            <a:schemeClr val="tx1"/>
+                          </a:solidFill>
+                          <a:effectLst/>
+                          <a:latin typeface="Courier New" panose="02070309020205020404" pitchFamily="49" charset="0"/>
+                          <a:cs typeface="Courier New" panose="02070309020205020404" pitchFamily="49" charset="0"/>
+                        </a:rPr>
+                        <a:t>start(</a:t>
+                      </a:r>
+                      <a:r>
+                        <a:rPr lang="pl-PL" sz="1000" dirty="0" err="1">
+                          <a:solidFill>
+                            <a:schemeClr val="tx1"/>
+                          </a:solidFill>
+                          <a:effectLst/>
+                          <a:latin typeface="Courier New" panose="02070309020205020404" pitchFamily="49" charset="0"/>
+                          <a:cs typeface="Courier New" panose="02070309020205020404" pitchFamily="49" charset="0"/>
+                        </a:rPr>
+                        <a:t>canch</a:t>
+                      </a:r>
+                      <a:r>
+                        <a:rPr lang="pl-PL" sz="1000" dirty="0">
+                          <a:solidFill>
+                            <a:schemeClr val="tx1"/>
+                          </a:solidFill>
+                          <a:effectLst/>
+                          <a:latin typeface="Courier New" panose="02070309020205020404" pitchFamily="49" charset="0"/>
+                          <a:cs typeface="Courier New" panose="02070309020205020404" pitchFamily="49" charset="0"/>
+                        </a:rPr>
+                        <a:t>);</a:t>
+                      </a:r>
+                    </a:p>
+                    <a:p>
+                      <a:pPr>
+                        <a:lnSpc>
+                          <a:spcPct val="107000"/>
+                        </a:lnSpc>
+                        <a:spcAft>
+                          <a:spcPts val="0"/>
+                        </a:spcAft>
+                      </a:pPr>
+                      <a:r>
+                        <a:rPr lang="pl-PL" sz="1000" dirty="0">
+                          <a:solidFill>
+                            <a:srgbClr val="92D050"/>
+                          </a:solidFill>
+                          <a:effectLst/>
+                          <a:latin typeface="Courier New" panose="02070309020205020404" pitchFamily="49" charset="0"/>
+                          <a:cs typeface="Courier New" panose="02070309020205020404" pitchFamily="49" charset="0"/>
+                        </a:rPr>
+                        <a:t>%Podłączenie bazy danych</a:t>
+                      </a:r>
+                    </a:p>
+                    <a:p>
+                      <a:pPr>
+                        <a:lnSpc>
+                          <a:spcPct val="107000"/>
+                        </a:lnSpc>
+                        <a:spcAft>
+                          <a:spcPts val="0"/>
+                        </a:spcAft>
+                      </a:pPr>
+                      <a:r>
+                        <a:rPr lang="pl-PL" sz="1000" dirty="0" err="1">
+                          <a:solidFill>
+                            <a:schemeClr val="tx1"/>
+                          </a:solidFill>
+                          <a:effectLst/>
+                          <a:latin typeface="Courier New" panose="02070309020205020404" pitchFamily="49" charset="0"/>
+                          <a:cs typeface="Courier New" panose="02070309020205020404" pitchFamily="49" charset="0"/>
+                        </a:rPr>
+                        <a:t>db</a:t>
+                      </a:r>
+                      <a:r>
+                        <a:rPr lang="pl-PL" sz="1000" dirty="0">
+                          <a:solidFill>
+                            <a:schemeClr val="tx1"/>
+                          </a:solidFill>
+                          <a:effectLst/>
+                          <a:latin typeface="Courier New" panose="02070309020205020404" pitchFamily="49" charset="0"/>
+                          <a:cs typeface="Courier New" panose="02070309020205020404" pitchFamily="49" charset="0"/>
+                        </a:rPr>
+                        <a:t> = </a:t>
+                      </a:r>
+                      <a:r>
+                        <a:rPr lang="pl-PL" sz="1000" dirty="0" err="1">
+                          <a:solidFill>
+                            <a:schemeClr val="tx1"/>
+                          </a:solidFill>
+                          <a:effectLst/>
+                          <a:latin typeface="Courier New" panose="02070309020205020404" pitchFamily="49" charset="0"/>
+                          <a:cs typeface="Courier New" panose="02070309020205020404" pitchFamily="49" charset="0"/>
+                        </a:rPr>
+                        <a:t>canDatabase</a:t>
+                      </a:r>
+                      <a:r>
+                        <a:rPr lang="pl-PL" sz="1000" dirty="0">
+                          <a:solidFill>
+                            <a:schemeClr val="tx1"/>
+                          </a:solidFill>
+                          <a:effectLst/>
+                          <a:latin typeface="Courier New" panose="02070309020205020404" pitchFamily="49" charset="0"/>
+                          <a:cs typeface="Courier New" panose="02070309020205020404" pitchFamily="49" charset="0"/>
+                        </a:rPr>
+                        <a:t>(</a:t>
+                      </a:r>
+                      <a:r>
+                        <a:rPr lang="pl-PL" sz="1000" dirty="0">
+                          <a:solidFill>
+                            <a:srgbClr val="7030A0"/>
+                          </a:solidFill>
+                          <a:effectLst/>
+                          <a:latin typeface="Courier New" panose="02070309020205020404" pitchFamily="49" charset="0"/>
+                          <a:cs typeface="Courier New" panose="02070309020205020404" pitchFamily="49" charset="0"/>
+                        </a:rPr>
+                        <a:t>'Radar_2.dbc');</a:t>
+                      </a:r>
+                    </a:p>
+                    <a:p>
+                      <a:pPr>
+                        <a:lnSpc>
+                          <a:spcPct val="107000"/>
+                        </a:lnSpc>
+                        <a:spcAft>
+                          <a:spcPts val="0"/>
+                        </a:spcAft>
+                      </a:pPr>
+                      <a:r>
+                        <a:rPr lang="pl-PL" sz="1000" dirty="0" err="1">
+                          <a:solidFill>
+                            <a:schemeClr val="tx1"/>
+                          </a:solidFill>
+                          <a:effectLst/>
+                          <a:latin typeface="Courier New" panose="02070309020205020404" pitchFamily="49" charset="0"/>
+                          <a:cs typeface="Courier New" panose="02070309020205020404" pitchFamily="49" charset="0"/>
+                        </a:rPr>
+                        <a:t>canch.Database</a:t>
+                      </a:r>
+                      <a:r>
+                        <a:rPr lang="pl-PL" sz="1000" dirty="0">
+                          <a:solidFill>
+                            <a:schemeClr val="tx1"/>
+                          </a:solidFill>
+                          <a:effectLst/>
+                          <a:latin typeface="Courier New" panose="02070309020205020404" pitchFamily="49" charset="0"/>
+                          <a:cs typeface="Courier New" panose="02070309020205020404" pitchFamily="49" charset="0"/>
+                        </a:rPr>
+                        <a:t> = </a:t>
+                      </a:r>
+                      <a:r>
+                        <a:rPr lang="pl-PL" sz="1000" dirty="0" err="1">
+                          <a:solidFill>
+                            <a:schemeClr val="tx1"/>
+                          </a:solidFill>
+                          <a:effectLst/>
+                          <a:latin typeface="Courier New" panose="02070309020205020404" pitchFamily="49" charset="0"/>
+                          <a:cs typeface="Courier New" panose="02070309020205020404" pitchFamily="49" charset="0"/>
+                        </a:rPr>
+                        <a:t>db</a:t>
+                      </a:r>
+                      <a:r>
+                        <a:rPr lang="pl-PL" sz="1000" dirty="0">
+                          <a:solidFill>
+                            <a:schemeClr val="tx1"/>
+                          </a:solidFill>
+                          <a:effectLst/>
+                          <a:latin typeface="Courier New" panose="02070309020205020404" pitchFamily="49" charset="0"/>
+                          <a:cs typeface="Courier New" panose="02070309020205020404" pitchFamily="49" charset="0"/>
+                        </a:rPr>
+                        <a:t>;</a:t>
+                      </a:r>
+                    </a:p>
+                    <a:p>
+                      <a:pPr>
+                        <a:lnSpc>
+                          <a:spcPct val="107000"/>
+                        </a:lnSpc>
+                        <a:spcAft>
+                          <a:spcPts val="0"/>
+                        </a:spcAft>
+                      </a:pPr>
+                      <a:r>
+                        <a:rPr lang="pl-PL" sz="1000" dirty="0">
+                          <a:solidFill>
+                            <a:srgbClr val="92D050"/>
+                          </a:solidFill>
+                          <a:effectLst/>
+                          <a:latin typeface="Courier New" panose="02070309020205020404" pitchFamily="49" charset="0"/>
+                          <a:cs typeface="Courier New" panose="02070309020205020404" pitchFamily="49" charset="0"/>
+                        </a:rPr>
+                        <a:t>%Wybudzenie radaru</a:t>
+                      </a:r>
+                    </a:p>
+                    <a:p>
+                      <a:pPr>
+                        <a:lnSpc>
+                          <a:spcPct val="107000"/>
+                        </a:lnSpc>
+                        <a:spcAft>
+                          <a:spcPts val="0"/>
+                        </a:spcAft>
+                      </a:pPr>
+                      <a:r>
+                        <a:rPr lang="pl-PL" sz="1000" dirty="0" err="1">
+                          <a:solidFill>
+                            <a:schemeClr val="tx1"/>
+                          </a:solidFill>
+                          <a:effectLst/>
+                          <a:latin typeface="Courier New" panose="02070309020205020404" pitchFamily="49" charset="0"/>
+                          <a:cs typeface="Courier New" panose="02070309020205020404" pitchFamily="49" charset="0"/>
+                        </a:rPr>
+                        <a:t>msgToSend</a:t>
+                      </a:r>
+                      <a:r>
+                        <a:rPr lang="pl-PL" sz="1000" dirty="0">
+                          <a:solidFill>
+                            <a:schemeClr val="tx1"/>
+                          </a:solidFill>
+                          <a:effectLst/>
+                          <a:latin typeface="Courier New" panose="02070309020205020404" pitchFamily="49" charset="0"/>
+                          <a:cs typeface="Courier New" panose="02070309020205020404" pitchFamily="49" charset="0"/>
+                        </a:rPr>
+                        <a:t> = </a:t>
+                      </a:r>
+                      <a:r>
+                        <a:rPr lang="pl-PL" sz="1000" dirty="0" err="1">
+                          <a:solidFill>
+                            <a:schemeClr val="tx1"/>
+                          </a:solidFill>
+                          <a:effectLst/>
+                          <a:latin typeface="Courier New" panose="02070309020205020404" pitchFamily="49" charset="0"/>
+                          <a:cs typeface="Courier New" panose="02070309020205020404" pitchFamily="49" charset="0"/>
+                        </a:rPr>
+                        <a:t>canMessage</a:t>
+                      </a:r>
+                      <a:r>
+                        <a:rPr lang="pl-PL" sz="1000" dirty="0">
+                          <a:solidFill>
+                            <a:schemeClr val="tx1"/>
+                          </a:solidFill>
+                          <a:effectLst/>
+                          <a:latin typeface="Courier New" panose="02070309020205020404" pitchFamily="49" charset="0"/>
+                          <a:cs typeface="Courier New" panose="02070309020205020404" pitchFamily="49" charset="0"/>
+                        </a:rPr>
+                        <a:t>(</a:t>
+                      </a:r>
+                      <a:r>
+                        <a:rPr lang="pl-PL" sz="1000" dirty="0" err="1">
+                          <a:solidFill>
+                            <a:schemeClr val="tx1"/>
+                          </a:solidFill>
+                          <a:effectLst/>
+                          <a:latin typeface="Courier New" panose="02070309020205020404" pitchFamily="49" charset="0"/>
+                          <a:cs typeface="Courier New" panose="02070309020205020404" pitchFamily="49" charset="0"/>
+                        </a:rPr>
+                        <a:t>db</a:t>
+                      </a:r>
+                      <a:r>
+                        <a:rPr lang="pl-PL" sz="1000" dirty="0">
+                          <a:solidFill>
+                            <a:schemeClr val="tx1"/>
+                          </a:solidFill>
+                          <a:effectLst/>
+                          <a:latin typeface="Courier New" panose="02070309020205020404" pitchFamily="49" charset="0"/>
+                          <a:cs typeface="Courier New" panose="02070309020205020404" pitchFamily="49" charset="0"/>
+                        </a:rPr>
+                        <a:t>, </a:t>
+                      </a:r>
+                      <a:r>
+                        <a:rPr lang="pl-PL" sz="1000" dirty="0">
+                          <a:solidFill>
+                            <a:srgbClr val="7030A0"/>
+                          </a:solidFill>
+                          <a:effectLst/>
+                          <a:latin typeface="Courier New" panose="02070309020205020404" pitchFamily="49" charset="0"/>
+                          <a:cs typeface="Courier New" panose="02070309020205020404" pitchFamily="49" charset="0"/>
+                        </a:rPr>
+                        <a:t>'CON_VEH'</a:t>
+                      </a:r>
+                      <a:r>
+                        <a:rPr lang="pl-PL" sz="1000" dirty="0">
+                          <a:solidFill>
+                            <a:schemeClr val="tx1"/>
+                          </a:solidFill>
+                          <a:effectLst/>
+                          <a:latin typeface="Courier New" panose="02070309020205020404" pitchFamily="49" charset="0"/>
+                          <a:cs typeface="Courier New" panose="02070309020205020404" pitchFamily="49" charset="0"/>
+                        </a:rPr>
+                        <a:t>);</a:t>
+                      </a:r>
+                    </a:p>
+                    <a:p>
+                      <a:pPr>
+                        <a:lnSpc>
+                          <a:spcPct val="107000"/>
+                        </a:lnSpc>
+                        <a:spcAft>
+                          <a:spcPts val="0"/>
+                        </a:spcAft>
+                      </a:pPr>
+                      <a:r>
+                        <a:rPr lang="pl-PL" sz="1000" dirty="0" err="1">
+                          <a:solidFill>
+                            <a:schemeClr val="tx1"/>
+                          </a:solidFill>
+                          <a:effectLst/>
+                          <a:latin typeface="Courier New" panose="02070309020205020404" pitchFamily="49" charset="0"/>
+                          <a:cs typeface="Courier New" panose="02070309020205020404" pitchFamily="49" charset="0"/>
+                        </a:rPr>
+                        <a:t>msgToSend.Signals.ST_CON_VEH</a:t>
+                      </a:r>
+                      <a:r>
+                        <a:rPr lang="pl-PL" sz="1000" dirty="0">
+                          <a:solidFill>
+                            <a:schemeClr val="tx1"/>
+                          </a:solidFill>
+                          <a:effectLst/>
+                          <a:latin typeface="Courier New" panose="02070309020205020404" pitchFamily="49" charset="0"/>
+                          <a:cs typeface="Courier New" panose="02070309020205020404" pitchFamily="49" charset="0"/>
+                        </a:rPr>
+                        <a:t> = 10;</a:t>
+                      </a:r>
+                    </a:p>
+                    <a:p>
+                      <a:pPr>
+                        <a:lnSpc>
+                          <a:spcPct val="107000"/>
+                        </a:lnSpc>
+                        <a:spcAft>
+                          <a:spcPts val="0"/>
+                        </a:spcAft>
+                      </a:pPr>
+                      <a:r>
+                        <a:rPr lang="pl-PL" sz="1000" dirty="0" err="1">
+                          <a:solidFill>
+                            <a:schemeClr val="tx1"/>
+                          </a:solidFill>
+                          <a:effectLst/>
+                          <a:latin typeface="Courier New" panose="02070309020205020404" pitchFamily="49" charset="0"/>
+                          <a:cs typeface="Courier New" panose="02070309020205020404" pitchFamily="49" charset="0"/>
+                        </a:rPr>
+                        <a:t>transmit</a:t>
+                      </a:r>
+                      <a:r>
+                        <a:rPr lang="pl-PL" sz="1000" dirty="0">
+                          <a:solidFill>
+                            <a:schemeClr val="tx1"/>
+                          </a:solidFill>
+                          <a:effectLst/>
+                          <a:latin typeface="Courier New" panose="02070309020205020404" pitchFamily="49" charset="0"/>
+                          <a:cs typeface="Courier New" panose="02070309020205020404" pitchFamily="49" charset="0"/>
+                        </a:rPr>
+                        <a:t>(</a:t>
+                      </a:r>
+                      <a:r>
+                        <a:rPr lang="pl-PL" sz="1000" dirty="0" err="1">
+                          <a:solidFill>
+                            <a:schemeClr val="tx1"/>
+                          </a:solidFill>
+                          <a:effectLst/>
+                          <a:latin typeface="Courier New" panose="02070309020205020404" pitchFamily="49" charset="0"/>
+                          <a:cs typeface="Courier New" panose="02070309020205020404" pitchFamily="49" charset="0"/>
+                        </a:rPr>
+                        <a:t>canch</a:t>
+                      </a:r>
+                      <a:r>
+                        <a:rPr lang="pl-PL" sz="1000" dirty="0">
+                          <a:solidFill>
+                            <a:schemeClr val="tx1"/>
+                          </a:solidFill>
+                          <a:effectLst/>
+                          <a:latin typeface="Courier New" panose="02070309020205020404" pitchFamily="49" charset="0"/>
+                          <a:cs typeface="Courier New" panose="02070309020205020404" pitchFamily="49" charset="0"/>
+                        </a:rPr>
+                        <a:t>, </a:t>
+                      </a:r>
+                      <a:r>
+                        <a:rPr lang="pl-PL" sz="1000" dirty="0" err="1">
+                          <a:solidFill>
+                            <a:schemeClr val="tx1"/>
+                          </a:solidFill>
+                          <a:effectLst/>
+                          <a:latin typeface="Courier New" panose="02070309020205020404" pitchFamily="49" charset="0"/>
+                          <a:cs typeface="Courier New" panose="02070309020205020404" pitchFamily="49" charset="0"/>
+                        </a:rPr>
+                        <a:t>msgToSend</a:t>
+                      </a:r>
+                      <a:r>
+                        <a:rPr lang="pl-PL" sz="1000" dirty="0">
+                          <a:solidFill>
+                            <a:schemeClr val="tx1"/>
+                          </a:solidFill>
+                          <a:effectLst/>
+                          <a:latin typeface="Courier New" panose="02070309020205020404" pitchFamily="49" charset="0"/>
+                          <a:cs typeface="Courier New" panose="02070309020205020404" pitchFamily="49" charset="0"/>
+                        </a:rPr>
+                        <a:t>);</a:t>
+                      </a:r>
+                    </a:p>
+                    <a:p>
+                      <a:pPr>
+                        <a:lnSpc>
+                          <a:spcPct val="107000"/>
+                        </a:lnSpc>
+                        <a:spcAft>
+                          <a:spcPts val="0"/>
+                        </a:spcAft>
+                      </a:pPr>
+                      <a:r>
+                        <a:rPr lang="pl-PL" sz="1000" dirty="0">
+                          <a:solidFill>
+                            <a:srgbClr val="92D050"/>
+                          </a:solidFill>
+                          <a:effectLst/>
+                          <a:latin typeface="Courier New" panose="02070309020205020404" pitchFamily="49" charset="0"/>
+                          <a:cs typeface="Courier New" panose="02070309020205020404" pitchFamily="49" charset="0"/>
+                        </a:rPr>
+                        <a:t>%Zaznaczanie wykryć</a:t>
+                      </a:r>
+                    </a:p>
+                    <a:p>
+                      <a:pPr>
+                        <a:lnSpc>
+                          <a:spcPct val="107000"/>
+                        </a:lnSpc>
+                        <a:spcAft>
+                          <a:spcPts val="0"/>
+                        </a:spcAft>
+                      </a:pPr>
+                      <a:r>
+                        <a:rPr lang="pl-PL" sz="1000" dirty="0" err="1">
+                          <a:solidFill>
+                            <a:schemeClr val="tx1"/>
+                          </a:solidFill>
+                          <a:effectLst/>
+                          <a:latin typeface="Courier New" panose="02070309020205020404" pitchFamily="49" charset="0"/>
+                          <a:cs typeface="Courier New" panose="02070309020205020404" pitchFamily="49" charset="0"/>
+                        </a:rPr>
+                        <a:t>figure</a:t>
+                      </a:r>
+                      <a:r>
+                        <a:rPr lang="pl-PL" sz="1000" dirty="0">
+                          <a:solidFill>
+                            <a:schemeClr val="tx1"/>
+                          </a:solidFill>
+                          <a:effectLst/>
+                          <a:latin typeface="Courier New" panose="02070309020205020404" pitchFamily="49" charset="0"/>
+                          <a:cs typeface="Courier New" panose="02070309020205020404" pitchFamily="49" charset="0"/>
+                        </a:rPr>
+                        <a:t>;</a:t>
+                      </a:r>
+                    </a:p>
+                    <a:p>
+                      <a:pPr>
+                        <a:lnSpc>
+                          <a:spcPct val="107000"/>
+                        </a:lnSpc>
+                        <a:spcAft>
+                          <a:spcPts val="0"/>
+                        </a:spcAft>
+                      </a:pPr>
+                      <a:r>
+                        <a:rPr lang="pl-PL" sz="1000" dirty="0" err="1">
+                          <a:solidFill>
+                            <a:schemeClr val="tx1"/>
+                          </a:solidFill>
+                          <a:effectLst/>
+                          <a:latin typeface="Courier New" panose="02070309020205020404" pitchFamily="49" charset="0"/>
+                          <a:cs typeface="Courier New" panose="02070309020205020404" pitchFamily="49" charset="0"/>
+                        </a:rPr>
+                        <a:t>pause</a:t>
+                      </a:r>
+                      <a:r>
+                        <a:rPr lang="pl-PL" sz="1000" dirty="0">
+                          <a:solidFill>
+                            <a:schemeClr val="tx1"/>
+                          </a:solidFill>
+                          <a:effectLst/>
+                          <a:latin typeface="Courier New" panose="02070309020205020404" pitchFamily="49" charset="0"/>
+                          <a:cs typeface="Courier New" panose="02070309020205020404" pitchFamily="49" charset="0"/>
+                        </a:rPr>
+                        <a:t>(0.1);</a:t>
+                      </a:r>
+                    </a:p>
+                    <a:p>
+                      <a:pPr>
+                        <a:lnSpc>
+                          <a:spcPct val="107000"/>
+                        </a:lnSpc>
+                        <a:spcAft>
+                          <a:spcPts val="0"/>
+                        </a:spcAft>
+                      </a:pPr>
+                      <a:r>
+                        <a:rPr lang="pl-PL" sz="1000" dirty="0" err="1">
+                          <a:solidFill>
+                            <a:srgbClr val="003990"/>
+                          </a:solidFill>
+                          <a:effectLst/>
+                          <a:latin typeface="Courier New" panose="02070309020205020404" pitchFamily="49" charset="0"/>
+                          <a:cs typeface="Courier New" panose="02070309020205020404" pitchFamily="49" charset="0"/>
+                        </a:rPr>
+                        <a:t>while</a:t>
+                      </a:r>
+                      <a:r>
+                        <a:rPr lang="pl-PL" sz="1000" dirty="0">
+                          <a:solidFill>
+                            <a:schemeClr val="tx1"/>
+                          </a:solidFill>
+                          <a:effectLst/>
+                          <a:latin typeface="Courier New" panose="02070309020205020404" pitchFamily="49" charset="0"/>
+                          <a:cs typeface="Courier New" panose="02070309020205020404" pitchFamily="49" charset="0"/>
+                        </a:rPr>
+                        <a:t>(1)</a:t>
+                      </a:r>
+                    </a:p>
+                    <a:p>
+                      <a:pPr>
+                        <a:lnSpc>
+                          <a:spcPct val="107000"/>
+                        </a:lnSpc>
+                        <a:spcAft>
+                          <a:spcPts val="0"/>
+                        </a:spcAft>
+                      </a:pPr>
+                      <a:r>
+                        <a:rPr lang="pl-PL" sz="1000" dirty="0">
+                          <a:solidFill>
+                            <a:schemeClr val="tx1"/>
+                          </a:solidFill>
+                          <a:effectLst/>
+                          <a:latin typeface="Courier New" panose="02070309020205020404" pitchFamily="49" charset="0"/>
+                          <a:cs typeface="Courier New" panose="02070309020205020404" pitchFamily="49" charset="0"/>
+                        </a:rPr>
+                        <a:t>   </a:t>
+                      </a:r>
+                    </a:p>
+                    <a:p>
+                      <a:pPr>
+                        <a:lnSpc>
+                          <a:spcPct val="107000"/>
+                        </a:lnSpc>
+                        <a:spcAft>
+                          <a:spcPts val="0"/>
+                        </a:spcAft>
+                      </a:pPr>
+                      <a:r>
+                        <a:rPr lang="pl-PL" sz="1000" dirty="0">
+                          <a:solidFill>
+                            <a:schemeClr val="tx1"/>
+                          </a:solidFill>
+                          <a:effectLst/>
+                          <a:latin typeface="Courier New" panose="02070309020205020404" pitchFamily="49" charset="0"/>
+                          <a:cs typeface="Courier New" panose="02070309020205020404" pitchFamily="49" charset="0"/>
+                        </a:rPr>
+                        <a:t>    </a:t>
+                      </a:r>
+                      <a:r>
+                        <a:rPr lang="pl-PL" sz="1000" dirty="0" err="1">
+                          <a:solidFill>
+                            <a:schemeClr val="tx1"/>
+                          </a:solidFill>
+                          <a:effectLst/>
+                          <a:latin typeface="Courier New" panose="02070309020205020404" pitchFamily="49" charset="0"/>
+                          <a:cs typeface="Courier New" panose="02070309020205020404" pitchFamily="49" charset="0"/>
+                        </a:rPr>
+                        <a:t>polarplot</a:t>
+                      </a:r>
+                      <a:r>
+                        <a:rPr lang="pl-PL" sz="1000" dirty="0">
+                          <a:solidFill>
+                            <a:schemeClr val="tx1"/>
+                          </a:solidFill>
+                          <a:effectLst/>
+                          <a:latin typeface="Courier New" panose="02070309020205020404" pitchFamily="49" charset="0"/>
+                          <a:cs typeface="Courier New" panose="02070309020205020404" pitchFamily="49" charset="0"/>
+                        </a:rPr>
+                        <a:t>(0,0, </a:t>
+                      </a:r>
+                      <a:r>
+                        <a:rPr lang="pl-PL" sz="1000" dirty="0">
+                          <a:solidFill>
+                            <a:srgbClr val="7030A0"/>
+                          </a:solidFill>
+                          <a:effectLst/>
+                          <a:latin typeface="Courier New" panose="02070309020205020404" pitchFamily="49" charset="0"/>
+                          <a:cs typeface="Courier New" panose="02070309020205020404" pitchFamily="49" charset="0"/>
+                        </a:rPr>
+                        <a:t>'go'</a:t>
+                      </a:r>
+                      <a:r>
+                        <a:rPr lang="pl-PL" sz="1000" dirty="0">
+                          <a:solidFill>
+                            <a:schemeClr val="tx1"/>
+                          </a:solidFill>
+                          <a:effectLst/>
+                          <a:latin typeface="Courier New" panose="02070309020205020404" pitchFamily="49" charset="0"/>
+                          <a:cs typeface="Courier New" panose="02070309020205020404" pitchFamily="49" charset="0"/>
+                        </a:rPr>
+                        <a:t>);</a:t>
+                      </a:r>
+                    </a:p>
+                    <a:p>
+                      <a:pPr>
+                        <a:lnSpc>
+                          <a:spcPct val="107000"/>
+                        </a:lnSpc>
+                        <a:spcAft>
+                          <a:spcPts val="0"/>
+                        </a:spcAft>
+                      </a:pPr>
+                      <a:r>
+                        <a:rPr lang="pl-PL" sz="1000" dirty="0">
+                          <a:solidFill>
+                            <a:schemeClr val="tx1"/>
+                          </a:solidFill>
+                          <a:effectLst/>
+                          <a:latin typeface="Courier New" panose="02070309020205020404" pitchFamily="49" charset="0"/>
+                          <a:cs typeface="Courier New" panose="02070309020205020404" pitchFamily="49" charset="0"/>
+                        </a:rPr>
+                        <a:t>    </a:t>
+                      </a:r>
+                      <a:r>
+                        <a:rPr lang="pl-PL" sz="1000" dirty="0" err="1">
+                          <a:solidFill>
+                            <a:schemeClr val="tx1"/>
+                          </a:solidFill>
+                          <a:effectLst/>
+                          <a:latin typeface="Courier New" panose="02070309020205020404" pitchFamily="49" charset="0"/>
+                          <a:cs typeface="Courier New" panose="02070309020205020404" pitchFamily="49" charset="0"/>
+                        </a:rPr>
+                        <a:t>hold</a:t>
+                      </a:r>
+                      <a:r>
+                        <a:rPr lang="pl-PL" sz="1000" dirty="0">
+                          <a:solidFill>
+                            <a:schemeClr val="tx1"/>
+                          </a:solidFill>
+                          <a:effectLst/>
+                          <a:latin typeface="Courier New" panose="02070309020205020404" pitchFamily="49" charset="0"/>
+                          <a:cs typeface="Courier New" panose="02070309020205020404" pitchFamily="49" charset="0"/>
+                        </a:rPr>
+                        <a:t> </a:t>
+                      </a:r>
+                      <a:r>
+                        <a:rPr lang="pl-PL" sz="1000" dirty="0">
+                          <a:solidFill>
+                            <a:srgbClr val="7030A0"/>
+                          </a:solidFill>
+                          <a:effectLst/>
+                          <a:latin typeface="Courier New" panose="02070309020205020404" pitchFamily="49" charset="0"/>
+                          <a:cs typeface="Courier New" panose="02070309020205020404" pitchFamily="49" charset="0"/>
+                        </a:rPr>
+                        <a:t>on</a:t>
+                      </a:r>
+                      <a:r>
+                        <a:rPr lang="pl-PL" sz="1000" dirty="0">
+                          <a:solidFill>
+                            <a:schemeClr val="tx1"/>
+                          </a:solidFill>
+                          <a:effectLst/>
+                          <a:latin typeface="Courier New" panose="02070309020205020404" pitchFamily="49" charset="0"/>
+                          <a:cs typeface="Courier New" panose="02070309020205020404" pitchFamily="49" charset="0"/>
+                        </a:rPr>
+                        <a:t>;</a:t>
+                      </a:r>
+                    </a:p>
+                    <a:p>
+                      <a:pPr>
+                        <a:lnSpc>
+                          <a:spcPct val="107000"/>
+                        </a:lnSpc>
+                        <a:spcAft>
+                          <a:spcPts val="0"/>
+                        </a:spcAft>
+                      </a:pPr>
+                      <a:r>
+                        <a:rPr lang="pl-PL" sz="1000" dirty="0">
+                          <a:solidFill>
+                            <a:schemeClr val="tx1"/>
+                          </a:solidFill>
+                          <a:effectLst/>
+                          <a:latin typeface="Courier New" panose="02070309020205020404" pitchFamily="49" charset="0"/>
+                          <a:cs typeface="Courier New" panose="02070309020205020404" pitchFamily="49" charset="0"/>
+                        </a:rPr>
+                        <a:t>    </a:t>
+                      </a:r>
+                      <a:r>
+                        <a:rPr lang="pl-PL" sz="1000" dirty="0" err="1">
+                          <a:solidFill>
+                            <a:schemeClr val="tx1"/>
+                          </a:solidFill>
+                          <a:effectLst/>
+                          <a:latin typeface="Courier New" panose="02070309020205020404" pitchFamily="49" charset="0"/>
+                          <a:cs typeface="Courier New" panose="02070309020205020404" pitchFamily="49" charset="0"/>
+                        </a:rPr>
+                        <a:t>msgIn</a:t>
+                      </a:r>
+                      <a:r>
+                        <a:rPr lang="pl-PL" sz="1000" dirty="0">
+                          <a:solidFill>
+                            <a:schemeClr val="tx1"/>
+                          </a:solidFill>
+                          <a:effectLst/>
+                          <a:latin typeface="Courier New" panose="02070309020205020404" pitchFamily="49" charset="0"/>
+                          <a:cs typeface="Courier New" panose="02070309020205020404" pitchFamily="49" charset="0"/>
+                        </a:rPr>
+                        <a:t>=</a:t>
+                      </a:r>
+                      <a:r>
+                        <a:rPr lang="pl-PL" sz="1000" dirty="0" err="1">
+                          <a:solidFill>
+                            <a:schemeClr val="tx1"/>
+                          </a:solidFill>
+                          <a:effectLst/>
+                          <a:latin typeface="Courier New" panose="02070309020205020404" pitchFamily="49" charset="0"/>
+                          <a:cs typeface="Courier New" panose="02070309020205020404" pitchFamily="49" charset="0"/>
+                        </a:rPr>
+                        <a:t>receive</a:t>
+                      </a:r>
+                      <a:r>
+                        <a:rPr lang="pl-PL" sz="1000" dirty="0">
+                          <a:solidFill>
+                            <a:schemeClr val="tx1"/>
+                          </a:solidFill>
+                          <a:effectLst/>
+                          <a:latin typeface="Courier New" panose="02070309020205020404" pitchFamily="49" charset="0"/>
+                          <a:cs typeface="Courier New" panose="02070309020205020404" pitchFamily="49" charset="0"/>
+                        </a:rPr>
+                        <a:t>(</a:t>
+                      </a:r>
+                      <a:r>
+                        <a:rPr lang="pl-PL" sz="1000" dirty="0" err="1">
+                          <a:solidFill>
+                            <a:schemeClr val="tx1"/>
+                          </a:solidFill>
+                          <a:effectLst/>
+                          <a:latin typeface="Courier New" panose="02070309020205020404" pitchFamily="49" charset="0"/>
+                          <a:cs typeface="Courier New" panose="02070309020205020404" pitchFamily="49" charset="0"/>
+                        </a:rPr>
+                        <a:t>canch</a:t>
+                      </a:r>
+                      <a:r>
+                        <a:rPr lang="pl-PL" sz="1000" dirty="0">
+                          <a:solidFill>
+                            <a:schemeClr val="tx1"/>
+                          </a:solidFill>
+                          <a:effectLst/>
+                          <a:latin typeface="Courier New" panose="02070309020205020404" pitchFamily="49" charset="0"/>
+                          <a:cs typeface="Courier New" panose="02070309020205020404" pitchFamily="49" charset="0"/>
+                        </a:rPr>
+                        <a:t>, 64);</a:t>
+                      </a:r>
+                    </a:p>
+                    <a:p>
+                      <a:pPr>
+                        <a:lnSpc>
+                          <a:spcPct val="107000"/>
+                        </a:lnSpc>
+                        <a:spcAft>
+                          <a:spcPts val="0"/>
+                        </a:spcAft>
+                      </a:pPr>
+                      <a:r>
+                        <a:rPr lang="pl-PL" sz="1000" dirty="0">
+                          <a:solidFill>
+                            <a:schemeClr val="tx1"/>
+                          </a:solidFill>
+                          <a:effectLst/>
+                          <a:latin typeface="Courier New" panose="02070309020205020404" pitchFamily="49" charset="0"/>
+                          <a:cs typeface="Courier New" panose="02070309020205020404" pitchFamily="49" charset="0"/>
+                        </a:rPr>
+                        <a:t>    </a:t>
+                      </a:r>
+                      <a:r>
+                        <a:rPr lang="pl-PL" sz="1000" dirty="0">
+                          <a:solidFill>
+                            <a:srgbClr val="003990"/>
+                          </a:solidFill>
+                          <a:effectLst/>
+                          <a:latin typeface="Courier New" panose="02070309020205020404" pitchFamily="49" charset="0"/>
+                          <a:cs typeface="Courier New" panose="02070309020205020404" pitchFamily="49" charset="0"/>
+                        </a:rPr>
+                        <a:t>for</a:t>
+                      </a:r>
+                      <a:r>
+                        <a:rPr lang="pl-PL" sz="1000" dirty="0">
+                          <a:solidFill>
+                            <a:schemeClr val="tx1"/>
+                          </a:solidFill>
+                          <a:effectLst/>
+                          <a:latin typeface="Courier New" panose="02070309020205020404" pitchFamily="49" charset="0"/>
+                          <a:cs typeface="Courier New" panose="02070309020205020404" pitchFamily="49" charset="0"/>
+                        </a:rPr>
+                        <a:t> i = 1 : </a:t>
+                      </a:r>
+                      <a:r>
+                        <a:rPr lang="pl-PL" sz="1000" dirty="0" err="1">
+                          <a:solidFill>
+                            <a:schemeClr val="tx1"/>
+                          </a:solidFill>
+                          <a:effectLst/>
+                          <a:latin typeface="Courier New" panose="02070309020205020404" pitchFamily="49" charset="0"/>
+                          <a:cs typeface="Courier New" panose="02070309020205020404" pitchFamily="49" charset="0"/>
+                        </a:rPr>
+                        <a:t>length</a:t>
+                      </a:r>
+                      <a:r>
+                        <a:rPr lang="pl-PL" sz="1000" dirty="0">
+                          <a:solidFill>
+                            <a:schemeClr val="tx1"/>
+                          </a:solidFill>
+                          <a:effectLst/>
+                          <a:latin typeface="Courier New" panose="02070309020205020404" pitchFamily="49" charset="0"/>
+                          <a:cs typeface="Courier New" panose="02070309020205020404" pitchFamily="49" charset="0"/>
+                        </a:rPr>
+                        <a:t>(</a:t>
+                      </a:r>
+                      <a:r>
+                        <a:rPr lang="pl-PL" sz="1000" dirty="0" err="1">
+                          <a:solidFill>
+                            <a:schemeClr val="tx1"/>
+                          </a:solidFill>
+                          <a:effectLst/>
+                          <a:latin typeface="Courier New" panose="02070309020205020404" pitchFamily="49" charset="0"/>
+                          <a:cs typeface="Courier New" panose="02070309020205020404" pitchFamily="49" charset="0"/>
+                        </a:rPr>
+                        <a:t>msgIn</a:t>
+                      </a:r>
+                      <a:r>
+                        <a:rPr lang="pl-PL" sz="1000" dirty="0">
+                          <a:solidFill>
+                            <a:schemeClr val="tx1"/>
+                          </a:solidFill>
+                          <a:effectLst/>
+                          <a:latin typeface="Courier New" panose="02070309020205020404" pitchFamily="49" charset="0"/>
+                          <a:cs typeface="Courier New" panose="02070309020205020404" pitchFamily="49" charset="0"/>
+                        </a:rPr>
+                        <a:t>)</a:t>
+                      </a:r>
+                    </a:p>
+                    <a:p>
+                      <a:pPr>
+                        <a:lnSpc>
+                          <a:spcPct val="107000"/>
+                        </a:lnSpc>
+                        <a:spcAft>
+                          <a:spcPts val="0"/>
+                        </a:spcAft>
+                      </a:pPr>
+                      <a:r>
+                        <a:rPr lang="pl-PL" sz="1000" dirty="0">
+                          <a:solidFill>
+                            <a:schemeClr val="tx1"/>
+                          </a:solidFill>
+                          <a:effectLst/>
+                          <a:latin typeface="Courier New" panose="02070309020205020404" pitchFamily="49" charset="0"/>
+                          <a:cs typeface="Courier New" panose="02070309020205020404" pitchFamily="49" charset="0"/>
+                        </a:rPr>
+                        <a:t>        </a:t>
+                      </a:r>
+                      <a:r>
+                        <a:rPr lang="pl-PL" sz="1000" dirty="0" err="1">
+                          <a:solidFill>
+                            <a:schemeClr val="tx1"/>
+                          </a:solidFill>
+                          <a:effectLst/>
+                          <a:latin typeface="Courier New" panose="02070309020205020404" pitchFamily="49" charset="0"/>
+                          <a:cs typeface="Courier New" panose="02070309020205020404" pitchFamily="49" charset="0"/>
+                        </a:rPr>
+                        <a:t>distance</a:t>
+                      </a:r>
+                      <a:r>
+                        <a:rPr lang="pl-PL" sz="1000" dirty="0">
+                          <a:solidFill>
+                            <a:schemeClr val="tx1"/>
+                          </a:solidFill>
+                          <a:effectLst/>
+                          <a:latin typeface="Courier New" panose="02070309020205020404" pitchFamily="49" charset="0"/>
+                          <a:cs typeface="Courier New" panose="02070309020205020404" pitchFamily="49" charset="0"/>
+                        </a:rPr>
+                        <a:t> = </a:t>
+                      </a:r>
+                      <a:r>
+                        <a:rPr lang="pl-PL" sz="1000" dirty="0" err="1">
+                          <a:solidFill>
+                            <a:schemeClr val="tx1"/>
+                          </a:solidFill>
+                          <a:effectLst/>
+                          <a:latin typeface="Courier New" panose="02070309020205020404" pitchFamily="49" charset="0"/>
+                          <a:cs typeface="Courier New" panose="02070309020205020404" pitchFamily="49" charset="0"/>
+                        </a:rPr>
+                        <a:t>msgIn</a:t>
+                      </a:r>
+                      <a:r>
+                        <a:rPr lang="pl-PL" sz="1000" dirty="0">
+                          <a:solidFill>
+                            <a:schemeClr val="tx1"/>
+                          </a:solidFill>
+                          <a:effectLst/>
+                          <a:latin typeface="Courier New" panose="02070309020205020404" pitchFamily="49" charset="0"/>
+                          <a:cs typeface="Courier New" panose="02070309020205020404" pitchFamily="49" charset="0"/>
+                        </a:rPr>
+                        <a:t>(i).</a:t>
+                      </a:r>
+                      <a:r>
+                        <a:rPr lang="pl-PL" sz="1000" dirty="0" err="1">
+                          <a:solidFill>
+                            <a:schemeClr val="tx1"/>
+                          </a:solidFill>
+                          <a:effectLst/>
+                          <a:latin typeface="Courier New" panose="02070309020205020404" pitchFamily="49" charset="0"/>
+                          <a:cs typeface="Courier New" panose="02070309020205020404" pitchFamily="49" charset="0"/>
+                        </a:rPr>
+                        <a:t>Signals.CAN_TX_DETECT_RANGE</a:t>
+                      </a:r>
+                      <a:r>
+                        <a:rPr lang="pl-PL" sz="1000" dirty="0">
+                          <a:solidFill>
+                            <a:schemeClr val="tx1"/>
+                          </a:solidFill>
+                          <a:effectLst/>
+                          <a:latin typeface="Courier New" panose="02070309020205020404" pitchFamily="49" charset="0"/>
+                          <a:cs typeface="Courier New" panose="02070309020205020404" pitchFamily="49" charset="0"/>
+                        </a:rPr>
+                        <a:t>;</a:t>
+                      </a:r>
+                    </a:p>
+                    <a:p>
+                      <a:pPr>
+                        <a:lnSpc>
+                          <a:spcPct val="107000"/>
+                        </a:lnSpc>
+                        <a:spcAft>
+                          <a:spcPts val="0"/>
+                        </a:spcAft>
+                      </a:pPr>
+                      <a:r>
+                        <a:rPr lang="pl-PL" sz="1000" dirty="0">
+                          <a:solidFill>
+                            <a:schemeClr val="tx1"/>
+                          </a:solidFill>
+                          <a:effectLst/>
+                          <a:latin typeface="Courier New" panose="02070309020205020404" pitchFamily="49" charset="0"/>
+                          <a:cs typeface="Courier New" panose="02070309020205020404" pitchFamily="49" charset="0"/>
+                        </a:rPr>
+                        <a:t>        </a:t>
+                      </a:r>
+                      <a:r>
+                        <a:rPr lang="pl-PL" sz="1000" dirty="0" err="1">
+                          <a:solidFill>
+                            <a:schemeClr val="tx1"/>
+                          </a:solidFill>
+                          <a:effectLst/>
+                          <a:latin typeface="Courier New" panose="02070309020205020404" pitchFamily="49" charset="0"/>
+                          <a:cs typeface="Courier New" panose="02070309020205020404" pitchFamily="49" charset="0"/>
+                        </a:rPr>
+                        <a:t>angle</a:t>
+                      </a:r>
+                      <a:r>
+                        <a:rPr lang="pl-PL" sz="1000" dirty="0">
+                          <a:solidFill>
+                            <a:schemeClr val="tx1"/>
+                          </a:solidFill>
+                          <a:effectLst/>
+                          <a:latin typeface="Courier New" panose="02070309020205020404" pitchFamily="49" charset="0"/>
+                          <a:cs typeface="Courier New" panose="02070309020205020404" pitchFamily="49" charset="0"/>
+                        </a:rPr>
+                        <a:t> = </a:t>
+                      </a:r>
+                      <a:r>
+                        <a:rPr lang="pl-PL" sz="1000" dirty="0" err="1">
+                          <a:solidFill>
+                            <a:schemeClr val="tx1"/>
+                          </a:solidFill>
+                          <a:effectLst/>
+                          <a:latin typeface="Courier New" panose="02070309020205020404" pitchFamily="49" charset="0"/>
+                          <a:cs typeface="Courier New" panose="02070309020205020404" pitchFamily="49" charset="0"/>
+                        </a:rPr>
+                        <a:t>msgIn</a:t>
+                      </a:r>
+                      <a:r>
+                        <a:rPr lang="pl-PL" sz="1000" dirty="0">
+                          <a:solidFill>
+                            <a:schemeClr val="tx1"/>
+                          </a:solidFill>
+                          <a:effectLst/>
+                          <a:latin typeface="Courier New" panose="02070309020205020404" pitchFamily="49" charset="0"/>
+                          <a:cs typeface="Courier New" panose="02070309020205020404" pitchFamily="49" charset="0"/>
+                        </a:rPr>
+                        <a:t>(i).</a:t>
+                      </a:r>
+                      <a:r>
+                        <a:rPr lang="pl-PL" sz="1000" dirty="0" err="1">
+                          <a:solidFill>
+                            <a:schemeClr val="tx1"/>
+                          </a:solidFill>
+                          <a:effectLst/>
+                          <a:latin typeface="Courier New" panose="02070309020205020404" pitchFamily="49" charset="0"/>
+                          <a:cs typeface="Courier New" panose="02070309020205020404" pitchFamily="49" charset="0"/>
+                        </a:rPr>
+                        <a:t>Signals.CAN_TX_DETECT_ANGLE</a:t>
+                      </a:r>
+                      <a:r>
+                        <a:rPr lang="pl-PL" sz="1000" dirty="0">
+                          <a:solidFill>
+                            <a:schemeClr val="tx1"/>
+                          </a:solidFill>
+                          <a:effectLst/>
+                          <a:latin typeface="Courier New" panose="02070309020205020404" pitchFamily="49" charset="0"/>
+                          <a:cs typeface="Courier New" panose="02070309020205020404" pitchFamily="49" charset="0"/>
+                        </a:rPr>
+                        <a:t>; </a:t>
+                      </a:r>
+                    </a:p>
+                    <a:p>
+                      <a:pPr>
+                        <a:lnSpc>
+                          <a:spcPct val="107000"/>
+                        </a:lnSpc>
+                        <a:spcAft>
+                          <a:spcPts val="0"/>
+                        </a:spcAft>
+                      </a:pPr>
+                      <a:r>
+                        <a:rPr lang="pl-PL" sz="1000" dirty="0">
+                          <a:solidFill>
+                            <a:schemeClr val="tx1"/>
+                          </a:solidFill>
+                          <a:effectLst/>
+                          <a:latin typeface="Courier New" panose="02070309020205020404" pitchFamily="49" charset="0"/>
+                          <a:cs typeface="Courier New" panose="02070309020205020404" pitchFamily="49" charset="0"/>
+                        </a:rPr>
+                        <a:t>        </a:t>
+                      </a:r>
+                      <a:r>
+                        <a:rPr lang="pl-PL" sz="1000" dirty="0" err="1">
+                          <a:solidFill>
+                            <a:schemeClr val="tx1"/>
+                          </a:solidFill>
+                          <a:effectLst/>
+                          <a:latin typeface="Courier New" panose="02070309020205020404" pitchFamily="49" charset="0"/>
+                          <a:cs typeface="Courier New" panose="02070309020205020404" pitchFamily="49" charset="0"/>
+                        </a:rPr>
+                        <a:t>polarplot</a:t>
+                      </a:r>
+                      <a:r>
+                        <a:rPr lang="pl-PL" sz="1000" dirty="0">
+                          <a:solidFill>
+                            <a:schemeClr val="tx1"/>
+                          </a:solidFill>
+                          <a:effectLst/>
+                          <a:latin typeface="Courier New" panose="02070309020205020404" pitchFamily="49" charset="0"/>
+                          <a:cs typeface="Courier New" panose="02070309020205020404" pitchFamily="49" charset="0"/>
+                        </a:rPr>
+                        <a:t>(deg2rad(</a:t>
+                      </a:r>
+                      <a:r>
+                        <a:rPr lang="pl-PL" sz="1000" dirty="0" err="1">
+                          <a:solidFill>
+                            <a:schemeClr val="tx1"/>
+                          </a:solidFill>
+                          <a:effectLst/>
+                          <a:latin typeface="Courier New" panose="02070309020205020404" pitchFamily="49" charset="0"/>
+                          <a:cs typeface="Courier New" panose="02070309020205020404" pitchFamily="49" charset="0"/>
+                        </a:rPr>
+                        <a:t>angle</a:t>
+                      </a:r>
+                      <a:r>
+                        <a:rPr lang="pl-PL" sz="1000" dirty="0">
+                          <a:solidFill>
+                            <a:schemeClr val="tx1"/>
+                          </a:solidFill>
+                          <a:effectLst/>
+                          <a:latin typeface="Courier New" panose="02070309020205020404" pitchFamily="49" charset="0"/>
+                          <a:cs typeface="Courier New" panose="02070309020205020404" pitchFamily="49" charset="0"/>
+                        </a:rPr>
+                        <a:t>), </a:t>
+                      </a:r>
+                      <a:r>
+                        <a:rPr lang="pl-PL" sz="1000" dirty="0" err="1">
+                          <a:solidFill>
+                            <a:schemeClr val="tx1"/>
+                          </a:solidFill>
+                          <a:effectLst/>
+                          <a:latin typeface="Courier New" panose="02070309020205020404" pitchFamily="49" charset="0"/>
+                          <a:cs typeface="Courier New" panose="02070309020205020404" pitchFamily="49" charset="0"/>
+                        </a:rPr>
+                        <a:t>distance</a:t>
+                      </a:r>
+                      <a:r>
+                        <a:rPr lang="pl-PL" sz="1000" dirty="0">
+                          <a:solidFill>
+                            <a:schemeClr val="tx1"/>
+                          </a:solidFill>
+                          <a:effectLst/>
+                          <a:latin typeface="Courier New" panose="02070309020205020404" pitchFamily="49" charset="0"/>
+                          <a:cs typeface="Courier New" panose="02070309020205020404" pitchFamily="49" charset="0"/>
+                        </a:rPr>
+                        <a:t>, </a:t>
+                      </a:r>
+                      <a:r>
+                        <a:rPr lang="pl-PL" sz="1000" dirty="0">
+                          <a:solidFill>
+                            <a:srgbClr val="7030A0"/>
+                          </a:solidFill>
+                          <a:effectLst/>
+                          <a:latin typeface="Courier New" panose="02070309020205020404" pitchFamily="49" charset="0"/>
+                          <a:cs typeface="Courier New" panose="02070309020205020404" pitchFamily="49" charset="0"/>
+                        </a:rPr>
+                        <a:t>'bo'</a:t>
+                      </a:r>
+                      <a:r>
+                        <a:rPr lang="pl-PL" sz="1000" dirty="0">
+                          <a:solidFill>
+                            <a:schemeClr val="tx1"/>
+                          </a:solidFill>
+                          <a:effectLst/>
+                          <a:latin typeface="Courier New" panose="02070309020205020404" pitchFamily="49" charset="0"/>
+                          <a:cs typeface="Courier New" panose="02070309020205020404" pitchFamily="49" charset="0"/>
+                        </a:rPr>
+                        <a:t>);</a:t>
+                      </a:r>
+                    </a:p>
+                    <a:p>
+                      <a:pPr>
+                        <a:lnSpc>
+                          <a:spcPct val="107000"/>
+                        </a:lnSpc>
+                        <a:spcAft>
+                          <a:spcPts val="0"/>
+                        </a:spcAft>
+                      </a:pPr>
+                      <a:r>
+                        <a:rPr lang="pl-PL" sz="1000" dirty="0">
+                          <a:solidFill>
+                            <a:schemeClr val="tx1"/>
+                          </a:solidFill>
+                          <a:effectLst/>
+                          <a:latin typeface="Courier New" panose="02070309020205020404" pitchFamily="49" charset="0"/>
+                          <a:cs typeface="Courier New" panose="02070309020205020404" pitchFamily="49" charset="0"/>
+                        </a:rPr>
+                        <a:t>    </a:t>
+                      </a:r>
+                      <a:r>
+                        <a:rPr lang="pl-PL" sz="1000" dirty="0">
+                          <a:solidFill>
+                            <a:srgbClr val="003990"/>
+                          </a:solidFill>
+                          <a:effectLst/>
+                          <a:latin typeface="Courier New" panose="02070309020205020404" pitchFamily="49" charset="0"/>
+                          <a:cs typeface="Courier New" panose="02070309020205020404" pitchFamily="49" charset="0"/>
+                        </a:rPr>
+                        <a:t>end</a:t>
+                      </a:r>
+                    </a:p>
+                    <a:p>
+                      <a:pPr>
+                        <a:lnSpc>
+                          <a:spcPct val="107000"/>
+                        </a:lnSpc>
+                        <a:spcAft>
+                          <a:spcPts val="0"/>
+                        </a:spcAft>
+                      </a:pPr>
+                      <a:r>
+                        <a:rPr lang="pl-PL" sz="1000" dirty="0">
+                          <a:solidFill>
+                            <a:schemeClr val="tx1"/>
+                          </a:solidFill>
+                          <a:effectLst/>
+                          <a:latin typeface="Courier New" panose="02070309020205020404" pitchFamily="49" charset="0"/>
+                          <a:cs typeface="Courier New" panose="02070309020205020404" pitchFamily="49" charset="0"/>
+                        </a:rPr>
+                        <a:t>    </a:t>
+                      </a:r>
+                      <a:r>
+                        <a:rPr lang="pl-PL" sz="1000" dirty="0" err="1">
+                          <a:solidFill>
+                            <a:schemeClr val="tx1"/>
+                          </a:solidFill>
+                          <a:effectLst/>
+                          <a:latin typeface="Courier New" panose="02070309020205020404" pitchFamily="49" charset="0"/>
+                          <a:cs typeface="Courier New" panose="02070309020205020404" pitchFamily="49" charset="0"/>
+                        </a:rPr>
+                        <a:t>pause</a:t>
+                      </a:r>
+                      <a:r>
+                        <a:rPr lang="pl-PL" sz="1000" dirty="0">
+                          <a:solidFill>
+                            <a:schemeClr val="tx1"/>
+                          </a:solidFill>
+                          <a:effectLst/>
+                          <a:latin typeface="Courier New" panose="02070309020205020404" pitchFamily="49" charset="0"/>
+                          <a:cs typeface="Courier New" panose="02070309020205020404" pitchFamily="49" charset="0"/>
+                        </a:rPr>
+                        <a:t>(0.3);</a:t>
+                      </a:r>
+                    </a:p>
+                    <a:p>
+                      <a:pPr>
+                        <a:lnSpc>
+                          <a:spcPct val="107000"/>
+                        </a:lnSpc>
+                        <a:spcAft>
+                          <a:spcPts val="0"/>
+                        </a:spcAft>
+                      </a:pPr>
+                      <a:r>
+                        <a:rPr lang="pl-PL" sz="1000" dirty="0">
+                          <a:solidFill>
+                            <a:schemeClr val="tx1"/>
+                          </a:solidFill>
+                          <a:effectLst/>
+                          <a:latin typeface="Courier New" panose="02070309020205020404" pitchFamily="49" charset="0"/>
+                          <a:cs typeface="Courier New" panose="02070309020205020404" pitchFamily="49" charset="0"/>
+                        </a:rPr>
+                        <a:t>    </a:t>
+                      </a:r>
+                      <a:r>
+                        <a:rPr lang="pl-PL" sz="1000" dirty="0" err="1">
+                          <a:solidFill>
+                            <a:schemeClr val="tx1"/>
+                          </a:solidFill>
+                          <a:effectLst/>
+                          <a:latin typeface="Courier New" panose="02070309020205020404" pitchFamily="49" charset="0"/>
+                          <a:cs typeface="Courier New" panose="02070309020205020404" pitchFamily="49" charset="0"/>
+                        </a:rPr>
+                        <a:t>hold</a:t>
+                      </a:r>
+                      <a:r>
+                        <a:rPr lang="pl-PL" sz="1000" dirty="0">
+                          <a:solidFill>
+                            <a:schemeClr val="tx1"/>
+                          </a:solidFill>
+                          <a:effectLst/>
+                          <a:latin typeface="Courier New" panose="02070309020205020404" pitchFamily="49" charset="0"/>
+                          <a:cs typeface="Courier New" panose="02070309020205020404" pitchFamily="49" charset="0"/>
+                        </a:rPr>
+                        <a:t> </a:t>
+                      </a:r>
+                      <a:r>
+                        <a:rPr lang="pl-PL" sz="1000" dirty="0">
+                          <a:solidFill>
+                            <a:srgbClr val="7030A0"/>
+                          </a:solidFill>
+                          <a:effectLst/>
+                          <a:latin typeface="Courier New" panose="02070309020205020404" pitchFamily="49" charset="0"/>
+                          <a:cs typeface="Courier New" panose="02070309020205020404" pitchFamily="49" charset="0"/>
+                        </a:rPr>
+                        <a:t>off</a:t>
+                      </a:r>
+                      <a:r>
+                        <a:rPr lang="pl-PL" sz="1000" dirty="0">
+                          <a:solidFill>
+                            <a:schemeClr val="tx1"/>
+                          </a:solidFill>
+                          <a:effectLst/>
+                          <a:latin typeface="Courier New" panose="02070309020205020404" pitchFamily="49" charset="0"/>
+                          <a:cs typeface="Courier New" panose="02070309020205020404" pitchFamily="49" charset="0"/>
+                        </a:rPr>
+                        <a:t>;</a:t>
+                      </a:r>
+                    </a:p>
+                    <a:p>
+                      <a:pPr>
+                        <a:lnSpc>
+                          <a:spcPct val="107000"/>
+                        </a:lnSpc>
+                        <a:spcAft>
+                          <a:spcPts val="0"/>
+                        </a:spcAft>
+                      </a:pPr>
+                      <a:r>
+                        <a:rPr lang="pl-PL" sz="1000" dirty="0">
+                          <a:solidFill>
+                            <a:srgbClr val="003990"/>
+                          </a:solidFill>
+                          <a:effectLst/>
+                          <a:latin typeface="Courier New" panose="02070309020205020404" pitchFamily="49" charset="0"/>
+                          <a:cs typeface="Courier New" panose="02070309020205020404" pitchFamily="49" charset="0"/>
+                        </a:rPr>
+                        <a:t>end</a:t>
+                      </a:r>
+                    </a:p>
+                    <a:p>
+                      <a:pPr>
+                        <a:lnSpc>
+                          <a:spcPct val="107000"/>
+                        </a:lnSpc>
+                        <a:spcAft>
+                          <a:spcPts val="0"/>
+                        </a:spcAft>
+                      </a:pPr>
+                      <a:r>
+                        <a:rPr lang="pl-PL" sz="1000" dirty="0">
+                          <a:solidFill>
+                            <a:schemeClr val="tx1"/>
+                          </a:solidFill>
+                          <a:effectLst/>
+                          <a:latin typeface="Courier New" panose="02070309020205020404" pitchFamily="49" charset="0"/>
+                          <a:cs typeface="Courier New" panose="02070309020205020404" pitchFamily="49" charset="0"/>
+                        </a:rPr>
+                        <a:t> </a:t>
+                      </a:r>
+                    </a:p>
+                    <a:p>
+                      <a:pPr>
+                        <a:lnSpc>
+                          <a:spcPct val="107000"/>
+                        </a:lnSpc>
+                        <a:spcAft>
+                          <a:spcPts val="0"/>
+                        </a:spcAft>
+                      </a:pPr>
+                      <a:r>
+                        <a:rPr lang="pl-PL" sz="700" dirty="0">
+                          <a:solidFill>
+                            <a:schemeClr val="tx1"/>
+                          </a:solidFill>
+                          <a:effectLst/>
+                        </a:rPr>
+                        <a:t> </a:t>
+                      </a:r>
+                      <a:endParaRPr lang="pl-PL" sz="700" dirty="0">
+                        <a:solidFill>
+                          <a:schemeClr val="tx1"/>
+                        </a:solidFill>
+                        <a:effectLst/>
+                        <a:latin typeface="Calibri" panose="020F0502020204030204" pitchFamily="34" charset="0"/>
+                        <a:ea typeface="Calibri" panose="020F0502020204030204" pitchFamily="34" charset="0"/>
+                        <a:cs typeface="Times New Roman" panose="02020603050405020304" pitchFamily="18" charset="0"/>
+                      </a:endParaRPr>
+                    </a:p>
+                  </a:txBody>
+                  <a:tcPr marL="44738" marR="44738" marT="0" marB="0">
+                    <a:noFill/>
+                  </a:tcPr>
+                </a:tc>
+                <a:extLst>
+                  <a:ext uri="{0D108BD9-81ED-4DB2-BD59-A6C34878D82A}">
+                    <a16:rowId xmlns:a16="http://schemas.microsoft.com/office/drawing/2014/main" val="1603535006"/>
+                  </a:ext>
+                </a:extLst>
+              </a:tr>
+            </a:tbl>
+          </a:graphicData>
+        </a:graphic>
+      </p:graphicFrame>
     </p:spTree>
   </p:cSld>
   <p:clrMapOvr>
@@ -8324,7 +10085,7 @@
         <p:spPr>
           <a:xfrm>
             <a:off x="308344" y="1488558"/>
-            <a:ext cx="7868093" cy="2957861"/>
+            <a:ext cx="7868093" cy="3373359"/>
           </a:xfrm>
           <a:prstGeom prst="rect">
             <a:avLst/>
@@ -8365,6 +10126,14 @@
               <a:rPr lang="pl-PL" dirty="0"/>
               <a:t>Ważnym wnioskiem jest, że dane zebrane przez radar nie mogły być zinterpretowane, ponieważ urządzenie działa prawidłowo w większym zakresie – obiekty powinny zostać wykryte z odległości nie mniejszej niż 16 metrów, czego w warunkach laboratoryjnych nie da się przetestować. </a:t>
             </a:r>
+          </a:p>
+          <a:p>
+            <a:pPr algn="just">
+              <a:lnSpc>
+                <a:spcPct val="150000"/>
+              </a:lnSpc>
+            </a:pPr>
+            <a:endParaRPr lang="pl-PL" dirty="0"/>
           </a:p>
         </p:txBody>
       </p:sp>
